--- a/PPT/Angular03-FirstComponent.pptx
+++ b/PPT/Angular03-FirstComponent.pptx
@@ -5,10 +5,10 @@
     <p:sldMasterId id="2147483653" r:id="rId1"/>
   </p:sldMasterIdLst>
   <p:notesMasterIdLst>
-    <p:notesMasterId r:id="rId18"/>
+    <p:notesMasterId r:id="rId17"/>
   </p:notesMasterIdLst>
   <p:handoutMasterIdLst>
-    <p:handoutMasterId r:id="rId19"/>
+    <p:handoutMasterId r:id="rId18"/>
   </p:handoutMasterIdLst>
   <p:sldIdLst>
     <p:sldId id="264" r:id="rId2"/>
@@ -26,7 +26,6 @@
     <p:sldId id="322" r:id="rId14"/>
     <p:sldId id="324" r:id="rId15"/>
     <p:sldId id="325" r:id="rId16"/>
-    <p:sldId id="326" r:id="rId17"/>
   </p:sldIdLst>
   <p:sldSz cx="9144000" cy="6858000" type="screen4x3"/>
   <p:notesSz cx="6648450" cy="9782175"/>
@@ -3706,7 +3705,6 @@
               <a:rPr lang="fr-FR" altLang="fr-FR" dirty="0" smtClean="0"/>
               <a:t>Chapitre 3</a:t>
             </a:r>
-            <a:endParaRPr lang="fr-FR" altLang="fr-FR" dirty="0" smtClean="0"/>
           </a:p>
           <a:p>
             <a:pPr eaLnBrk="1" hangingPunct="1"/>
@@ -4631,137 +4629,6 @@
 </p:sld>
 </file>
 
-<file path=ppt/slides/slide16.xml><?xml version="1.0" encoding="utf-8"?>
-<p:sld xmlns:a="http://schemas.openxmlformats.org/drawingml/2006/main" xmlns:r="http://schemas.openxmlformats.org/officeDocument/2006/relationships" xmlns:p="http://schemas.openxmlformats.org/presentationml/2006/main">
-  <p:cSld>
-    <p:spTree>
-      <p:nvGrpSpPr>
-        <p:cNvPr id="1" name=""/>
-        <p:cNvGrpSpPr/>
-        <p:nvPr/>
-      </p:nvGrpSpPr>
-      <p:grpSpPr>
-        <a:xfrm>
-          <a:off x="0" y="0"/>
-          <a:ext cx="0" cy="0"/>
-          <a:chOff x="0" y="0"/>
-          <a:chExt cx="0" cy="0"/>
-        </a:xfrm>
-      </p:grpSpPr>
-      <p:sp>
-        <p:nvSpPr>
-          <p:cNvPr id="2" name="Titre 1"/>
-          <p:cNvSpPr>
-            <a:spLocks noGrp="1"/>
-          </p:cNvSpPr>
-          <p:nvPr>
-            <p:ph type="title"/>
-          </p:nvPr>
-        </p:nvSpPr>
-        <p:spPr/>
-        <p:txBody>
-          <a:bodyPr/>
-          <a:lstStyle/>
-          <a:p>
-            <a:r>
-              <a:rPr lang="fr-FR" dirty="0" smtClean="0"/>
-              <a:t>Interpolation d’objets</a:t>
-            </a:r>
-            <a:endParaRPr lang="fr-FR" dirty="0"/>
-          </a:p>
-        </p:txBody>
-      </p:sp>
-      <p:sp>
-        <p:nvSpPr>
-          <p:cNvPr id="3" name="Espace réservé du contenu 2"/>
-          <p:cNvSpPr>
-            <a:spLocks noGrp="1"/>
-          </p:cNvSpPr>
-          <p:nvPr>
-            <p:ph idx="1"/>
-          </p:nvPr>
-        </p:nvSpPr>
-        <p:spPr/>
-        <p:txBody>
-          <a:bodyPr/>
-          <a:lstStyle/>
-          <a:p>
-            <a:r>
-              <a:rPr lang="fr-FR" dirty="0" smtClean="0"/>
-              <a:t>Back </a:t>
-            </a:r>
-            <a:r>
-              <a:rPr lang="fr-FR" dirty="0" err="1" smtClean="0"/>
-              <a:t>quote</a:t>
-            </a:r>
-            <a:endParaRPr lang="fr-FR" dirty="0" smtClean="0"/>
-          </a:p>
-          <a:p>
-            <a:pPr lvl="1"/>
-            <a:r>
-              <a:rPr lang="fr-FR" dirty="0" smtClean="0"/>
-              <a:t>Permet d’avoir un </a:t>
-            </a:r>
-            <a:r>
-              <a:rPr lang="fr-FR" dirty="0" err="1" smtClean="0"/>
-              <a:t>template</a:t>
-            </a:r>
-            <a:r>
-              <a:rPr lang="fr-FR" dirty="0" smtClean="0"/>
-              <a:t> </a:t>
-            </a:r>
-            <a:r>
-              <a:rPr lang="fr-FR" dirty="0" err="1" smtClean="0"/>
-              <a:t>multiligne</a:t>
-            </a:r>
-            <a:r>
-              <a:rPr lang="fr-FR" dirty="0" smtClean="0"/>
-              <a:t> (ES6)</a:t>
-            </a:r>
-          </a:p>
-          <a:p>
-            <a:pPr lvl="1"/>
-            <a:endParaRPr lang="fr-FR" dirty="0"/>
-          </a:p>
-        </p:txBody>
-      </p:sp>
-      <p:pic>
-        <p:nvPicPr>
-          <p:cNvPr id="5" name="Image 4"/>
-          <p:cNvPicPr>
-            <a:picLocks noChangeAspect="1"/>
-          </p:cNvPicPr>
-          <p:nvPr/>
-        </p:nvPicPr>
-        <p:blipFill>
-          <a:blip r:embed="rId2"/>
-          <a:stretch>
-            <a:fillRect/>
-          </a:stretch>
-        </p:blipFill>
-        <p:spPr>
-          <a:xfrm>
-            <a:off x="1958901" y="2347393"/>
-            <a:ext cx="4901024" cy="4105943"/>
-          </a:xfrm>
-          <a:prstGeom prst="rect">
-            <a:avLst/>
-          </a:prstGeom>
-        </p:spPr>
-      </p:pic>
-    </p:spTree>
-    <p:extLst>
-      <p:ext uri="{BB962C8B-B14F-4D97-AF65-F5344CB8AC3E}">
-        <p14:creationId xmlns:p14="http://schemas.microsoft.com/office/powerpoint/2010/main" val="58369795"/>
-      </p:ext>
-    </p:extLst>
-  </p:cSld>
-  <p:clrMapOvr>
-    <a:masterClrMapping/>
-  </p:clrMapOvr>
-</p:sld>
-</file>
-
 <file path=ppt/slides/slide2.xml><?xml version="1.0" encoding="utf-8"?>
 <p:sld xmlns:a="http://schemas.openxmlformats.org/drawingml/2006/main" xmlns:r="http://schemas.openxmlformats.org/officeDocument/2006/relationships" xmlns:p="http://schemas.openxmlformats.org/presentationml/2006/main">
   <p:cSld>
@@ -5708,13 +5575,8 @@
             </a:r>
             <a:r>
               <a:rPr lang="fr-FR" dirty="0" smtClean="0"/>
-              <a:t> indique que la classe est un </a:t>
-            </a:r>
-            <a:r>
-              <a:rPr lang="fr-FR" dirty="0" smtClean="0"/>
-              <a:t>composant</a:t>
-            </a:r>
-            <a:endParaRPr lang="fr-FR" dirty="0" smtClean="0"/>
+              <a:t> indique que la classe est un composant</a:t>
+            </a:r>
           </a:p>
         </p:txBody>
       </p:sp>
@@ -5848,11 +5710,7 @@
             </a:r>
             <a:r>
               <a:rPr lang="fr-FR" altLang="fr-FR" dirty="0" smtClean="0"/>
-              <a:t> </a:t>
-            </a:r>
-            <a:r>
-              <a:rPr lang="fr-FR" altLang="fr-FR" dirty="0" smtClean="0"/>
-              <a:t>doit avoir un module </a:t>
+              <a:t> doit avoir un module </a:t>
             </a:r>
             <a:r>
               <a:rPr lang="fr-FR" altLang="fr-FR" dirty="0" err="1" smtClean="0"/>

--- a/PPT/Angular03-FirstComponent.pptx
+++ b/PPT/Angular03-FirstComponent.pptx
@@ -5,10 +5,10 @@
     <p:sldMasterId id="2147483653" r:id="rId1"/>
   </p:sldMasterIdLst>
   <p:notesMasterIdLst>
-    <p:notesMasterId r:id="rId17"/>
+    <p:notesMasterId r:id="rId15"/>
   </p:notesMasterIdLst>
   <p:handoutMasterIdLst>
-    <p:handoutMasterId r:id="rId18"/>
+    <p:handoutMasterId r:id="rId16"/>
   </p:handoutMasterIdLst>
   <p:sldIdLst>
     <p:sldId id="264" r:id="rId2"/>
@@ -20,12 +20,10 @@
     <p:sldId id="316" r:id="rId8"/>
     <p:sldId id="317" r:id="rId9"/>
     <p:sldId id="318" r:id="rId10"/>
-    <p:sldId id="319" r:id="rId11"/>
-    <p:sldId id="320" r:id="rId12"/>
-    <p:sldId id="321" r:id="rId13"/>
-    <p:sldId id="322" r:id="rId14"/>
-    <p:sldId id="324" r:id="rId15"/>
-    <p:sldId id="325" r:id="rId16"/>
+    <p:sldId id="321" r:id="rId11"/>
+    <p:sldId id="322" r:id="rId12"/>
+    <p:sldId id="324" r:id="rId13"/>
+    <p:sldId id="325" r:id="rId14"/>
   </p:sldIdLst>
   <p:sldSz cx="9144000" cy="6858000" type="screen4x3"/>
   <p:notesSz cx="6648450" cy="9782175"/>
@@ -3987,244 +3985,6 @@
           <a:p>
             <a:r>
               <a:rPr lang="fr-FR" dirty="0" smtClean="0"/>
-              <a:t>Module </a:t>
-            </a:r>
-            <a:r>
-              <a:rPr lang="fr-FR" dirty="0" err="1" smtClean="0"/>
-              <a:t>root</a:t>
-            </a:r>
-            <a:endParaRPr lang="fr-FR" dirty="0"/>
-          </a:p>
-        </p:txBody>
-      </p:sp>
-      <p:sp>
-        <p:nvSpPr>
-          <p:cNvPr id="3" name="Espace réservé du contenu 2"/>
-          <p:cNvSpPr>
-            <a:spLocks noGrp="1"/>
-          </p:cNvSpPr>
-          <p:nvPr>
-            <p:ph idx="1"/>
-          </p:nvPr>
-        </p:nvSpPr>
-        <p:spPr>
-          <a:xfrm>
-            <a:off x="6084168" y="3429000"/>
-            <a:ext cx="2861395" cy="3024336"/>
-          </a:xfrm>
-        </p:spPr>
-        <p:txBody>
-          <a:bodyPr/>
-          <a:lstStyle/>
-          <a:p>
-            <a:r>
-              <a:rPr lang="fr-FR" dirty="0" smtClean="0"/>
-              <a:t>Liste de tous les composants du module</a:t>
-            </a:r>
-            <a:endParaRPr lang="fr-FR" dirty="0"/>
-          </a:p>
-        </p:txBody>
-      </p:sp>
-      <p:pic>
-        <p:nvPicPr>
-          <p:cNvPr id="5" name="Image 4"/>
-          <p:cNvPicPr>
-            <a:picLocks noChangeAspect="1"/>
-          </p:cNvPicPr>
-          <p:nvPr/>
-        </p:nvPicPr>
-        <p:blipFill>
-          <a:blip r:embed="rId2"/>
-          <a:stretch>
-            <a:fillRect/>
-          </a:stretch>
-        </p:blipFill>
-        <p:spPr>
-          <a:xfrm>
-            <a:off x="0" y="1171445"/>
-            <a:ext cx="6084168" cy="3650501"/>
-          </a:xfrm>
-          <a:prstGeom prst="rect">
-            <a:avLst/>
-          </a:prstGeom>
-        </p:spPr>
-      </p:pic>
-    </p:spTree>
-    <p:extLst>
-      <p:ext uri="{BB962C8B-B14F-4D97-AF65-F5344CB8AC3E}">
-        <p14:creationId xmlns:p14="http://schemas.microsoft.com/office/powerpoint/2010/main" val="1394120405"/>
-      </p:ext>
-    </p:extLst>
-  </p:cSld>
-  <p:clrMapOvr>
-    <a:masterClrMapping/>
-  </p:clrMapOvr>
-</p:sld>
-</file>
-
-<file path=ppt/slides/slide11.xml><?xml version="1.0" encoding="utf-8"?>
-<p:sld xmlns:a="http://schemas.openxmlformats.org/drawingml/2006/main" xmlns:r="http://schemas.openxmlformats.org/officeDocument/2006/relationships" xmlns:p="http://schemas.openxmlformats.org/presentationml/2006/main">
-  <p:cSld>
-    <p:spTree>
-      <p:nvGrpSpPr>
-        <p:cNvPr id="1" name=""/>
-        <p:cNvGrpSpPr/>
-        <p:nvPr/>
-      </p:nvGrpSpPr>
-      <p:grpSpPr>
-        <a:xfrm>
-          <a:off x="0" y="0"/>
-          <a:ext cx="0" cy="0"/>
-          <a:chOff x="0" y="0"/>
-          <a:chExt cx="0" cy="0"/>
-        </a:xfrm>
-      </p:grpSpPr>
-      <p:sp>
-        <p:nvSpPr>
-          <p:cNvPr id="2" name="Titre 1"/>
-          <p:cNvSpPr>
-            <a:spLocks noGrp="1"/>
-          </p:cNvSpPr>
-          <p:nvPr>
-            <p:ph type="title"/>
-          </p:nvPr>
-        </p:nvSpPr>
-        <p:spPr/>
-        <p:txBody>
-          <a:bodyPr/>
-          <a:lstStyle/>
-          <a:p>
-            <a:r>
-              <a:rPr lang="fr-FR" dirty="0" smtClean="0"/>
-              <a:t>Rendu</a:t>
-            </a:r>
-            <a:endParaRPr lang="fr-FR" dirty="0"/>
-          </a:p>
-        </p:txBody>
-      </p:sp>
-      <p:sp>
-        <p:nvSpPr>
-          <p:cNvPr id="3" name="Espace réservé du contenu 2"/>
-          <p:cNvSpPr>
-            <a:spLocks noGrp="1"/>
-          </p:cNvSpPr>
-          <p:nvPr>
-            <p:ph idx="1"/>
-          </p:nvPr>
-        </p:nvSpPr>
-        <p:spPr/>
-        <p:txBody>
-          <a:bodyPr/>
-          <a:lstStyle/>
-          <a:p>
-            <a:r>
-              <a:rPr lang="fr-FR" dirty="0" err="1" smtClean="0"/>
-              <a:t>BrowserModule</a:t>
-            </a:r>
-            <a:endParaRPr lang="fr-FR" dirty="0" smtClean="0"/>
-          </a:p>
-          <a:p>
-            <a:pPr lvl="1"/>
-            <a:r>
-              <a:rPr lang="fr-FR" dirty="0" smtClean="0"/>
-              <a:t>Obligatoire pour les sites Web</a:t>
-            </a:r>
-          </a:p>
-          <a:p>
-            <a:r>
-              <a:rPr lang="fr-FR" dirty="0" err="1" smtClean="0"/>
-              <a:t>platformBrowserDynammic</a:t>
-            </a:r>
-            <a:endParaRPr lang="fr-FR" dirty="0" smtClean="0"/>
-          </a:p>
-          <a:p>
-            <a:pPr lvl="1"/>
-            <a:r>
-              <a:rPr lang="fr-FR" dirty="0" smtClean="0"/>
-              <a:t>Rendu du site</a:t>
-            </a:r>
-          </a:p>
-          <a:p>
-            <a:pPr lvl="1"/>
-            <a:r>
-              <a:rPr lang="fr-FR" dirty="0" smtClean="0"/>
-              <a:t>Démarre l’application</a:t>
-            </a:r>
-            <a:endParaRPr lang="fr-FR" dirty="0"/>
-          </a:p>
-        </p:txBody>
-      </p:sp>
-      <p:pic>
-        <p:nvPicPr>
-          <p:cNvPr id="4" name="Image 3"/>
-          <p:cNvPicPr>
-            <a:picLocks noChangeAspect="1"/>
-          </p:cNvPicPr>
-          <p:nvPr/>
-        </p:nvPicPr>
-        <p:blipFill>
-          <a:blip r:embed="rId2"/>
-          <a:stretch>
-            <a:fillRect/>
-          </a:stretch>
-        </p:blipFill>
-        <p:spPr>
-          <a:xfrm>
-            <a:off x="179512" y="4260131"/>
-            <a:ext cx="8420067" cy="2193205"/>
-          </a:xfrm>
-          <a:prstGeom prst="rect">
-            <a:avLst/>
-          </a:prstGeom>
-        </p:spPr>
-      </p:pic>
-    </p:spTree>
-    <p:extLst>
-      <p:ext uri="{BB962C8B-B14F-4D97-AF65-F5344CB8AC3E}">
-        <p14:creationId xmlns:p14="http://schemas.microsoft.com/office/powerpoint/2010/main" val="3144648351"/>
-      </p:ext>
-    </p:extLst>
-  </p:cSld>
-  <p:clrMapOvr>
-    <a:masterClrMapping/>
-  </p:clrMapOvr>
-</p:sld>
-</file>
-
-<file path=ppt/slides/slide12.xml><?xml version="1.0" encoding="utf-8"?>
-<p:sld xmlns:a="http://schemas.openxmlformats.org/drawingml/2006/main" xmlns:r="http://schemas.openxmlformats.org/officeDocument/2006/relationships" xmlns:p="http://schemas.openxmlformats.org/presentationml/2006/main">
-  <p:cSld>
-    <p:spTree>
-      <p:nvGrpSpPr>
-        <p:cNvPr id="1" name=""/>
-        <p:cNvGrpSpPr/>
-        <p:nvPr/>
-      </p:nvGrpSpPr>
-      <p:grpSpPr>
-        <a:xfrm>
-          <a:off x="0" y="0"/>
-          <a:ext cx="0" cy="0"/>
-          <a:chOff x="0" y="0"/>
-          <a:chExt cx="0" cy="0"/>
-        </a:xfrm>
-      </p:grpSpPr>
-      <p:sp>
-        <p:nvSpPr>
-          <p:cNvPr id="2" name="Titre 1"/>
-          <p:cNvSpPr>
-            <a:spLocks noGrp="1"/>
-          </p:cNvSpPr>
-          <p:nvPr>
-            <p:ph type="title"/>
-          </p:nvPr>
-        </p:nvSpPr>
-        <p:spPr/>
-        <p:txBody>
-          <a:bodyPr/>
-          <a:lstStyle/>
-          <a:p>
-            <a:r>
-              <a:rPr lang="fr-FR" dirty="0" smtClean="0"/>
               <a:t>Démarrer le composant</a:t>
             </a:r>
             <a:endParaRPr lang="fr-FR" dirty="0"/>
@@ -4321,10 +4081,17 @@
   <p:clrMapOvr>
     <a:masterClrMapping/>
   </p:clrMapOvr>
+  <p:timing>
+    <p:tnLst>
+      <p:par>
+        <p:cTn id="1" dur="indefinite" restart="never" nodeType="tmRoot"/>
+      </p:par>
+    </p:tnLst>
+  </p:timing>
 </p:sld>
 </file>
 
-<file path=ppt/slides/slide13.xml><?xml version="1.0" encoding="utf-8"?>
+<file path=ppt/slides/slide11.xml><?xml version="1.0" encoding="utf-8"?>
 <p:sld xmlns:a="http://schemas.openxmlformats.org/drawingml/2006/main" xmlns:r="http://schemas.openxmlformats.org/officeDocument/2006/relationships" xmlns:p="http://schemas.openxmlformats.org/presentationml/2006/main">
   <p:cSld>
     <p:spTree>
@@ -4400,10 +4167,17 @@
   <p:clrMapOvr>
     <a:masterClrMapping/>
   </p:clrMapOvr>
+  <p:timing>
+    <p:tnLst>
+      <p:par>
+        <p:cTn id="1" dur="indefinite" restart="never" nodeType="tmRoot"/>
+      </p:par>
+    </p:tnLst>
+  </p:timing>
 </p:sld>
 </file>
 
-<file path=ppt/slides/slide14.xml><?xml version="1.0" encoding="utf-8"?>
+<file path=ppt/slides/slide12.xml><?xml version="1.0" encoding="utf-8"?>
 <p:sld xmlns:a="http://schemas.openxmlformats.org/drawingml/2006/main" xmlns:r="http://schemas.openxmlformats.org/officeDocument/2006/relationships" xmlns:p="http://schemas.openxmlformats.org/presentationml/2006/main">
   <p:cSld>
     <p:spTree>
@@ -4506,10 +4280,17 @@
   <p:clrMapOvr>
     <a:masterClrMapping/>
   </p:clrMapOvr>
+  <p:timing>
+    <p:tnLst>
+      <p:par>
+        <p:cTn id="1" dur="indefinite" restart="never" nodeType="tmRoot"/>
+      </p:par>
+    </p:tnLst>
+  </p:timing>
 </p:sld>
 </file>
 
-<file path=ppt/slides/slide15.xml><?xml version="1.0" encoding="utf-8"?>
+<file path=ppt/slides/slide13.xml><?xml version="1.0" encoding="utf-8"?>
 <p:sld xmlns:a="http://schemas.openxmlformats.org/drawingml/2006/main" xmlns:r="http://schemas.openxmlformats.org/officeDocument/2006/relationships" xmlns:p="http://schemas.openxmlformats.org/presentationml/2006/main">
   <p:cSld>
     <p:spTree>
@@ -4626,6 +4407,13 @@
   <p:clrMapOvr>
     <a:masterClrMapping/>
   </p:clrMapOvr>
+  <p:timing>
+    <p:tnLst>
+      <p:par>
+        <p:cTn id="1" dur="indefinite" restart="never" nodeType="tmRoot"/>
+      </p:par>
+    </p:tnLst>
+  </p:timing>
 </p:sld>
 </file>
 
@@ -4984,6 +4772,13 @@
   <p:clrMapOvr>
     <a:masterClrMapping/>
   </p:clrMapOvr>
+  <p:timing>
+    <p:tnLst>
+      <p:par>
+        <p:cTn id="1" dur="indefinite" restart="never" nodeType="tmRoot"/>
+      </p:par>
+    </p:tnLst>
+  </p:timing>
 </p:sld>
 </file>
 
@@ -5090,6 +4885,13 @@
   <p:clrMapOvr>
     <a:masterClrMapping/>
   </p:clrMapOvr>
+  <p:timing>
+    <p:tnLst>
+      <p:par>
+        <p:cTn id="1" dur="indefinite" restart="never" nodeType="tmRoot"/>
+      </p:par>
+    </p:tnLst>
+  </p:timing>
 </p:sld>
 </file>
 
@@ -5179,12 +4981,12 @@
               <a:t>{{}} </a:t>
             </a:r>
             <a:r>
-              <a:rPr lang="fr-FR" dirty="0" err="1" smtClean="0"/>
-              <a:t>siginifie</a:t>
-            </a:r>
-            <a:r>
               <a:rPr lang="fr-FR" dirty="0" smtClean="0"/>
-              <a:t> une expression</a:t>
+              <a:t>signifie </a:t>
+            </a:r>
+            <a:r>
+              <a:rPr lang="fr-FR" dirty="0" smtClean="0"/>
+              <a:t>une expression</a:t>
             </a:r>
           </a:p>
           <a:p>
@@ -5228,6 +5030,13 @@
   <p:clrMapOvr>
     <a:masterClrMapping/>
   </p:clrMapOvr>
+  <p:timing>
+    <p:tnLst>
+      <p:par>
+        <p:cTn id="1" dur="indefinite" restart="never" nodeType="tmRoot"/>
+      </p:par>
+    </p:tnLst>
+  </p:timing>
 </p:sld>
 </file>
 
@@ -5364,6 +5173,13 @@
   <p:clrMapOvr>
     <a:masterClrMapping/>
   </p:clrMapOvr>
+  <p:timing>
+    <p:tnLst>
+      <p:par>
+        <p:cTn id="1" dur="indefinite" restart="never" nodeType="tmRoot"/>
+      </p:par>
+    </p:tnLst>
+  </p:timing>
 </p:sld>
 </file>
 
@@ -5493,6 +5309,13 @@
   <p:clrMapOvr>
     <a:masterClrMapping/>
   </p:clrMapOvr>
+  <p:timing>
+    <p:tnLst>
+      <p:par>
+        <p:cTn id="1" dur="indefinite" restart="never" nodeType="tmRoot"/>
+      </p:par>
+    </p:tnLst>
+  </p:timing>
 </p:sld>
 </file>
 
@@ -5614,6 +5437,13 @@
   <p:clrMapOvr>
     <a:masterClrMapping/>
   </p:clrMapOvr>
+  <p:timing>
+    <p:tnLst>
+      <p:par>
+        <p:cTn id="1" dur="indefinite" restart="never" nodeType="tmRoot"/>
+      </p:par>
+    </p:tnLst>
+  </p:timing>
 </p:sld>
 </file>
 

--- a/PPT/Angular03-FirstComponent.pptx
+++ b/PPT/Angular03-FirstComponent.pptx
@@ -5,10 +5,10 @@
     <p:sldMasterId id="2147483653" r:id="rId1"/>
   </p:sldMasterIdLst>
   <p:notesMasterIdLst>
-    <p:notesMasterId r:id="rId15"/>
+    <p:notesMasterId r:id="rId14"/>
   </p:notesMasterIdLst>
   <p:handoutMasterIdLst>
-    <p:handoutMasterId r:id="rId16"/>
+    <p:handoutMasterId r:id="rId15"/>
   </p:handoutMasterIdLst>
   <p:sldIdLst>
     <p:sldId id="264" r:id="rId2"/>
@@ -16,14 +16,13 @@
     <p:sldId id="327" r:id="rId4"/>
     <p:sldId id="330" r:id="rId5"/>
     <p:sldId id="329" r:id="rId6"/>
-    <p:sldId id="315" r:id="rId7"/>
-    <p:sldId id="316" r:id="rId8"/>
-    <p:sldId id="317" r:id="rId9"/>
-    <p:sldId id="318" r:id="rId10"/>
-    <p:sldId id="321" r:id="rId11"/>
-    <p:sldId id="322" r:id="rId12"/>
-    <p:sldId id="324" r:id="rId13"/>
-    <p:sldId id="325" r:id="rId14"/>
+    <p:sldId id="316" r:id="rId7"/>
+    <p:sldId id="317" r:id="rId8"/>
+    <p:sldId id="318" r:id="rId9"/>
+    <p:sldId id="321" r:id="rId10"/>
+    <p:sldId id="322" r:id="rId11"/>
+    <p:sldId id="324" r:id="rId12"/>
+    <p:sldId id="325" r:id="rId13"/>
   </p:sldIdLst>
   <p:sldSz cx="9144000" cy="6858000" type="screen4x3"/>
   <p:notesSz cx="6648450" cy="9782175"/>
@@ -3985,146 +3984,6 @@
           <a:p>
             <a:r>
               <a:rPr lang="fr-FR" dirty="0" smtClean="0"/>
-              <a:t>Démarrer le composant</a:t>
-            </a:r>
-            <a:endParaRPr lang="fr-FR" dirty="0"/>
-          </a:p>
-        </p:txBody>
-      </p:sp>
-      <p:sp>
-        <p:nvSpPr>
-          <p:cNvPr id="3" name="Espace réservé du contenu 2"/>
-          <p:cNvSpPr>
-            <a:spLocks noGrp="1"/>
-          </p:cNvSpPr>
-          <p:nvPr>
-            <p:ph idx="1"/>
-          </p:nvPr>
-        </p:nvSpPr>
-        <p:spPr>
-          <a:xfrm>
-            <a:off x="4688671" y="1412776"/>
-            <a:ext cx="4256892" cy="5040560"/>
-          </a:xfrm>
-        </p:spPr>
-        <p:txBody>
-          <a:bodyPr/>
-          <a:lstStyle/>
-          <a:p>
-            <a:endParaRPr lang="fr-FR" dirty="0" smtClean="0"/>
-          </a:p>
-          <a:p>
-            <a:endParaRPr lang="fr-FR" dirty="0"/>
-          </a:p>
-          <a:p>
-            <a:endParaRPr lang="fr-FR" dirty="0" smtClean="0"/>
-          </a:p>
-          <a:p>
-            <a:r>
-              <a:rPr lang="fr-FR" dirty="0" smtClean="0"/>
-              <a:t>Démarre dans le navigateur</a:t>
-            </a:r>
-          </a:p>
-          <a:p>
-            <a:r>
-              <a:rPr lang="fr-FR" dirty="0" smtClean="0"/>
-              <a:t>Composant racine</a:t>
-            </a:r>
-          </a:p>
-          <a:p>
-            <a:endParaRPr lang="fr-FR" dirty="0"/>
-          </a:p>
-          <a:p>
-            <a:r>
-              <a:rPr lang="fr-FR" dirty="0" smtClean="0"/>
-              <a:t>Rendu de l’application via </a:t>
-            </a:r>
-            <a:r>
-              <a:rPr lang="fr-FR" dirty="0" err="1" smtClean="0"/>
-              <a:t>AppModule</a:t>
-            </a:r>
-            <a:endParaRPr lang="fr-FR" dirty="0"/>
-          </a:p>
-        </p:txBody>
-      </p:sp>
-      <p:pic>
-        <p:nvPicPr>
-          <p:cNvPr id="4" name="Image 3"/>
-          <p:cNvPicPr>
-            <a:picLocks noChangeAspect="1"/>
-          </p:cNvPicPr>
-          <p:nvPr/>
-        </p:nvPicPr>
-        <p:blipFill>
-          <a:blip r:embed="rId2"/>
-          <a:stretch>
-            <a:fillRect/>
-          </a:stretch>
-        </p:blipFill>
-        <p:spPr>
-          <a:xfrm>
-            <a:off x="179513" y="1413454"/>
-            <a:ext cx="4509158" cy="3887754"/>
-          </a:xfrm>
-          <a:prstGeom prst="rect">
-            <a:avLst/>
-          </a:prstGeom>
-        </p:spPr>
-      </p:pic>
-    </p:spTree>
-    <p:extLst>
-      <p:ext uri="{BB962C8B-B14F-4D97-AF65-F5344CB8AC3E}">
-        <p14:creationId xmlns:p14="http://schemas.microsoft.com/office/powerpoint/2010/main" val="239443888"/>
-      </p:ext>
-    </p:extLst>
-  </p:cSld>
-  <p:clrMapOvr>
-    <a:masterClrMapping/>
-  </p:clrMapOvr>
-  <p:timing>
-    <p:tnLst>
-      <p:par>
-        <p:cTn id="1" dur="indefinite" restart="never" nodeType="tmRoot"/>
-      </p:par>
-    </p:tnLst>
-  </p:timing>
-</p:sld>
-</file>
-
-<file path=ppt/slides/slide11.xml><?xml version="1.0" encoding="utf-8"?>
-<p:sld xmlns:a="http://schemas.openxmlformats.org/drawingml/2006/main" xmlns:r="http://schemas.openxmlformats.org/officeDocument/2006/relationships" xmlns:p="http://schemas.openxmlformats.org/presentationml/2006/main">
-  <p:cSld>
-    <p:spTree>
-      <p:nvGrpSpPr>
-        <p:cNvPr id="1" name=""/>
-        <p:cNvGrpSpPr/>
-        <p:nvPr/>
-      </p:nvGrpSpPr>
-      <p:grpSpPr>
-        <a:xfrm>
-          <a:off x="0" y="0"/>
-          <a:ext cx="0" cy="0"/>
-          <a:chOff x="0" y="0"/>
-          <a:chExt cx="0" cy="0"/>
-        </a:xfrm>
-      </p:grpSpPr>
-      <p:sp>
-        <p:nvSpPr>
-          <p:cNvPr id="2" name="Titre 1"/>
-          <p:cNvSpPr>
-            <a:spLocks noGrp="1"/>
-          </p:cNvSpPr>
-          <p:nvPr>
-            <p:ph type="title"/>
-          </p:nvPr>
-        </p:nvSpPr>
-        <p:spPr/>
-        <p:txBody>
-          <a:bodyPr/>
-          <a:lstStyle/>
-          <a:p>
-            <a:r>
-              <a:rPr lang="fr-FR" dirty="0" smtClean="0"/>
               <a:t>Démarrage</a:t>
             </a:r>
             <a:endParaRPr lang="fr-FR" dirty="0"/>
@@ -4177,7 +4036,7 @@
 </p:sld>
 </file>
 
-<file path=ppt/slides/slide12.xml><?xml version="1.0" encoding="utf-8"?>
+<file path=ppt/slides/slide11.xml><?xml version="1.0" encoding="utf-8"?>
 <p:sld xmlns:a="http://schemas.openxmlformats.org/drawingml/2006/main" xmlns:r="http://schemas.openxmlformats.org/officeDocument/2006/relationships" xmlns:p="http://schemas.openxmlformats.org/presentationml/2006/main">
   <p:cSld>
     <p:spTree>
@@ -4290,7 +4149,7 @@
 </p:sld>
 </file>
 
-<file path=ppt/slides/slide13.xml><?xml version="1.0" encoding="utf-8"?>
+<file path=ppt/slides/slide12.xml><?xml version="1.0" encoding="utf-8"?>
 <p:sld xmlns:a="http://schemas.openxmlformats.org/drawingml/2006/main" xmlns:r="http://schemas.openxmlformats.org/officeDocument/2006/relationships" xmlns:p="http://schemas.openxmlformats.org/presentationml/2006/main">
   <p:cSld>
     <p:spTree>
@@ -4978,15 +4837,7 @@
             <a:pPr lvl="1"/>
             <a:r>
               <a:rPr lang="fr-FR" dirty="0" smtClean="0"/>
-              <a:t>{{}} </a:t>
-            </a:r>
-            <a:r>
-              <a:rPr lang="fr-FR" dirty="0" smtClean="0"/>
-              <a:t>signifie </a:t>
-            </a:r>
-            <a:r>
-              <a:rPr lang="fr-FR" dirty="0" smtClean="0"/>
-              <a:t>une expression</a:t>
+              <a:t>{{}} signifie une expression</a:t>
             </a:r>
           </a:p>
           <a:p>
@@ -5074,7 +4925,7 @@
           <a:p>
             <a:r>
               <a:rPr lang="fr-FR" dirty="0" smtClean="0"/>
-              <a:t>Chargement des scripts</a:t>
+              <a:t>Premier script TS</a:t>
             </a:r>
             <a:endParaRPr lang="fr-FR" dirty="0"/>
           </a:p>
@@ -5090,26 +4941,43 @@
             <p:ph idx="1"/>
           </p:nvPr>
         </p:nvSpPr>
-        <p:spPr/>
+        <p:spPr>
+          <a:xfrm>
+            <a:off x="179510" y="3022148"/>
+            <a:ext cx="8766051" cy="3528392"/>
+          </a:xfrm>
+        </p:spPr>
         <p:txBody>
           <a:bodyPr/>
           <a:lstStyle/>
           <a:p>
             <a:r>
               <a:rPr lang="fr-FR" dirty="0" smtClean="0"/>
-              <a:t>Utilisation de </a:t>
+              <a:t>Import</a:t>
+            </a:r>
+          </a:p>
+          <a:p>
+            <a:r>
+              <a:rPr lang="fr-FR" dirty="0" smtClean="0"/>
+              <a:t>Component</a:t>
+            </a:r>
+          </a:p>
+          <a:p>
+            <a:pPr lvl="1"/>
+            <a:r>
+              <a:rPr lang="fr-FR" dirty="0" smtClean="0"/>
+              <a:t>Fonction qui contient notre premier composant</a:t>
+            </a:r>
+          </a:p>
+          <a:p>
+            <a:pPr lvl="1"/>
+            <a:r>
+              <a:rPr lang="fr-FR" dirty="0" smtClean="0"/>
+              <a:t>Les composants sont les principales entités de </a:t>
             </a:r>
             <a:r>
               <a:rPr lang="fr-FR" dirty="0" err="1" smtClean="0"/>
-              <a:t>SystemJS</a:t>
-            </a:r>
-            <a:endParaRPr lang="fr-FR" dirty="0" smtClean="0"/>
-          </a:p>
-          <a:p>
-            <a:pPr lvl="1"/>
-            <a:r>
-              <a:rPr lang="fr-FR" dirty="0" smtClean="0"/>
-              <a:t>Pas de &lt;script&gt;</a:t>
+              <a:t>Angular</a:t>
             </a:r>
             <a:endParaRPr lang="fr-FR" dirty="0"/>
           </a:p>
@@ -5131,32 +4999,8 @@
         </p:blipFill>
         <p:spPr>
           <a:xfrm>
-            <a:off x="899592" y="2262452"/>
-            <a:ext cx="5038613" cy="4190884"/>
-          </a:xfrm>
-          <a:prstGeom prst="rect">
-            <a:avLst/>
-          </a:prstGeom>
-        </p:spPr>
-      </p:pic>
-      <p:pic>
-        <p:nvPicPr>
-          <p:cNvPr id="6" name="Image 5"/>
-          <p:cNvPicPr>
-            <a:picLocks noChangeAspect="1"/>
-          </p:cNvPicPr>
-          <p:nvPr/>
-        </p:nvPicPr>
-        <p:blipFill>
-          <a:blip r:embed="rId3"/>
-          <a:stretch>
-            <a:fillRect/>
-          </a:stretch>
-        </p:blipFill>
-        <p:spPr>
-          <a:xfrm>
-            <a:off x="5856295" y="2996953"/>
-            <a:ext cx="2100081" cy="864096"/>
+            <a:off x="327495" y="1412776"/>
+            <a:ext cx="8470083" cy="1359396"/>
           </a:xfrm>
           <a:prstGeom prst="rect">
             <a:avLst/>
@@ -5166,7 +5010,7 @@
     </p:spTree>
     <p:extLst>
       <p:ext uri="{BB962C8B-B14F-4D97-AF65-F5344CB8AC3E}">
-        <p14:creationId xmlns:p14="http://schemas.microsoft.com/office/powerpoint/2010/main" val="906456709"/>
+        <p14:creationId xmlns:p14="http://schemas.microsoft.com/office/powerpoint/2010/main" val="2142501514"/>
       </p:ext>
     </p:extLst>
   </p:cSld>
@@ -5217,142 +5061,6 @@
           <a:p>
             <a:r>
               <a:rPr lang="fr-FR" dirty="0" smtClean="0"/>
-              <a:t>Premier script TS</a:t>
-            </a:r>
-            <a:endParaRPr lang="fr-FR" dirty="0"/>
-          </a:p>
-        </p:txBody>
-      </p:sp>
-      <p:sp>
-        <p:nvSpPr>
-          <p:cNvPr id="3" name="Espace réservé du contenu 2"/>
-          <p:cNvSpPr>
-            <a:spLocks noGrp="1"/>
-          </p:cNvSpPr>
-          <p:nvPr>
-            <p:ph idx="1"/>
-          </p:nvPr>
-        </p:nvSpPr>
-        <p:spPr>
-          <a:xfrm>
-            <a:off x="179510" y="3022148"/>
-            <a:ext cx="8766051" cy="3528392"/>
-          </a:xfrm>
-        </p:spPr>
-        <p:txBody>
-          <a:bodyPr/>
-          <a:lstStyle/>
-          <a:p>
-            <a:r>
-              <a:rPr lang="fr-FR" dirty="0" smtClean="0"/>
-              <a:t>Import</a:t>
-            </a:r>
-          </a:p>
-          <a:p>
-            <a:r>
-              <a:rPr lang="fr-FR" dirty="0" smtClean="0"/>
-              <a:t>Component</a:t>
-            </a:r>
-          </a:p>
-          <a:p>
-            <a:pPr lvl="1"/>
-            <a:r>
-              <a:rPr lang="fr-FR" dirty="0" smtClean="0"/>
-              <a:t>Fonction qui contient notre premier composant</a:t>
-            </a:r>
-          </a:p>
-          <a:p>
-            <a:pPr lvl="1"/>
-            <a:r>
-              <a:rPr lang="fr-FR" dirty="0" smtClean="0"/>
-              <a:t>Les composants sont les principales entités de </a:t>
-            </a:r>
-            <a:r>
-              <a:rPr lang="fr-FR" dirty="0" err="1" smtClean="0"/>
-              <a:t>Angular</a:t>
-            </a:r>
-            <a:endParaRPr lang="fr-FR" dirty="0"/>
-          </a:p>
-        </p:txBody>
-      </p:sp>
-      <p:pic>
-        <p:nvPicPr>
-          <p:cNvPr id="4" name="Image 3"/>
-          <p:cNvPicPr>
-            <a:picLocks noChangeAspect="1"/>
-          </p:cNvPicPr>
-          <p:nvPr/>
-        </p:nvPicPr>
-        <p:blipFill>
-          <a:blip r:embed="rId2"/>
-          <a:stretch>
-            <a:fillRect/>
-          </a:stretch>
-        </p:blipFill>
-        <p:spPr>
-          <a:xfrm>
-            <a:off x="327495" y="1412776"/>
-            <a:ext cx="8470083" cy="1359396"/>
-          </a:xfrm>
-          <a:prstGeom prst="rect">
-            <a:avLst/>
-          </a:prstGeom>
-        </p:spPr>
-      </p:pic>
-    </p:spTree>
-    <p:extLst>
-      <p:ext uri="{BB962C8B-B14F-4D97-AF65-F5344CB8AC3E}">
-        <p14:creationId xmlns:p14="http://schemas.microsoft.com/office/powerpoint/2010/main" val="2142501514"/>
-      </p:ext>
-    </p:extLst>
-  </p:cSld>
-  <p:clrMapOvr>
-    <a:masterClrMapping/>
-  </p:clrMapOvr>
-  <p:timing>
-    <p:tnLst>
-      <p:par>
-        <p:cTn id="1" dur="indefinite" restart="never" nodeType="tmRoot"/>
-      </p:par>
-    </p:tnLst>
-  </p:timing>
-</p:sld>
-</file>
-
-<file path=ppt/slides/slide8.xml><?xml version="1.0" encoding="utf-8"?>
-<p:sld xmlns:a="http://schemas.openxmlformats.org/drawingml/2006/main" xmlns:r="http://schemas.openxmlformats.org/officeDocument/2006/relationships" xmlns:p="http://schemas.openxmlformats.org/presentationml/2006/main">
-  <p:cSld>
-    <p:spTree>
-      <p:nvGrpSpPr>
-        <p:cNvPr id="1" name=""/>
-        <p:cNvGrpSpPr/>
-        <p:nvPr/>
-      </p:nvGrpSpPr>
-      <p:grpSpPr>
-        <a:xfrm>
-          <a:off x="0" y="0"/>
-          <a:ext cx="0" cy="0"/>
-          <a:chOff x="0" y="0"/>
-          <a:chExt cx="0" cy="0"/>
-        </a:xfrm>
-      </p:grpSpPr>
-      <p:sp>
-        <p:nvSpPr>
-          <p:cNvPr id="2" name="Titre 1"/>
-          <p:cNvSpPr>
-            <a:spLocks noGrp="1"/>
-          </p:cNvSpPr>
-          <p:nvPr>
-            <p:ph type="title"/>
-          </p:nvPr>
-        </p:nvSpPr>
-        <p:spPr/>
-        <p:txBody>
-          <a:bodyPr/>
-          <a:lstStyle/>
-          <a:p>
-            <a:r>
-              <a:rPr lang="fr-FR" dirty="0" smtClean="0"/>
               <a:t>Premier composant</a:t>
             </a:r>
             <a:endParaRPr lang="fr-FR" dirty="0"/>
@@ -5447,7 +5155,7 @@
 </p:sld>
 </file>
 
-<file path=ppt/slides/slide9.xml><?xml version="1.0" encoding="utf-8"?>
+<file path=ppt/slides/slide8.xml><?xml version="1.0" encoding="utf-8"?>
 <p:sld xmlns:a="http://schemas.openxmlformats.org/drawingml/2006/main" xmlns:r="http://schemas.openxmlformats.org/officeDocument/2006/relationships" xmlns:p="http://schemas.openxmlformats.org/presentationml/2006/main">
   <p:cSld>
     <p:spTree>
@@ -5681,6 +5389,146 @@
     <p:extLst>
       <p:ext uri="{BB962C8B-B14F-4D97-AF65-F5344CB8AC3E}">
         <p14:creationId xmlns:p14="http://schemas.microsoft.com/office/powerpoint/2010/main" val="1583075932"/>
+      </p:ext>
+    </p:extLst>
+  </p:cSld>
+  <p:clrMapOvr>
+    <a:masterClrMapping/>
+  </p:clrMapOvr>
+  <p:timing>
+    <p:tnLst>
+      <p:par>
+        <p:cTn id="1" dur="indefinite" restart="never" nodeType="tmRoot"/>
+      </p:par>
+    </p:tnLst>
+  </p:timing>
+</p:sld>
+</file>
+
+<file path=ppt/slides/slide9.xml><?xml version="1.0" encoding="utf-8"?>
+<p:sld xmlns:a="http://schemas.openxmlformats.org/drawingml/2006/main" xmlns:r="http://schemas.openxmlformats.org/officeDocument/2006/relationships" xmlns:p="http://schemas.openxmlformats.org/presentationml/2006/main">
+  <p:cSld>
+    <p:spTree>
+      <p:nvGrpSpPr>
+        <p:cNvPr id="1" name=""/>
+        <p:cNvGrpSpPr/>
+        <p:nvPr/>
+      </p:nvGrpSpPr>
+      <p:grpSpPr>
+        <a:xfrm>
+          <a:off x="0" y="0"/>
+          <a:ext cx="0" cy="0"/>
+          <a:chOff x="0" y="0"/>
+          <a:chExt cx="0" cy="0"/>
+        </a:xfrm>
+      </p:grpSpPr>
+      <p:sp>
+        <p:nvSpPr>
+          <p:cNvPr id="2" name="Titre 1"/>
+          <p:cNvSpPr>
+            <a:spLocks noGrp="1"/>
+          </p:cNvSpPr>
+          <p:nvPr>
+            <p:ph type="title"/>
+          </p:nvPr>
+        </p:nvSpPr>
+        <p:spPr/>
+        <p:txBody>
+          <a:bodyPr/>
+          <a:lstStyle/>
+          <a:p>
+            <a:r>
+              <a:rPr lang="fr-FR" dirty="0" smtClean="0"/>
+              <a:t>Démarrer le composant</a:t>
+            </a:r>
+            <a:endParaRPr lang="fr-FR" dirty="0"/>
+          </a:p>
+        </p:txBody>
+      </p:sp>
+      <p:sp>
+        <p:nvSpPr>
+          <p:cNvPr id="3" name="Espace réservé du contenu 2"/>
+          <p:cNvSpPr>
+            <a:spLocks noGrp="1"/>
+          </p:cNvSpPr>
+          <p:nvPr>
+            <p:ph idx="1"/>
+          </p:nvPr>
+        </p:nvSpPr>
+        <p:spPr>
+          <a:xfrm>
+            <a:off x="4688671" y="1412776"/>
+            <a:ext cx="4256892" cy="5040560"/>
+          </a:xfrm>
+        </p:spPr>
+        <p:txBody>
+          <a:bodyPr/>
+          <a:lstStyle/>
+          <a:p>
+            <a:endParaRPr lang="fr-FR" dirty="0" smtClean="0"/>
+          </a:p>
+          <a:p>
+            <a:endParaRPr lang="fr-FR" dirty="0"/>
+          </a:p>
+          <a:p>
+            <a:endParaRPr lang="fr-FR" dirty="0" smtClean="0"/>
+          </a:p>
+          <a:p>
+            <a:r>
+              <a:rPr lang="fr-FR" dirty="0" smtClean="0"/>
+              <a:t>Démarre dans le navigateur</a:t>
+            </a:r>
+          </a:p>
+          <a:p>
+            <a:r>
+              <a:rPr lang="fr-FR" dirty="0" smtClean="0"/>
+              <a:t>Composant racine</a:t>
+            </a:r>
+          </a:p>
+          <a:p>
+            <a:endParaRPr lang="fr-FR" dirty="0"/>
+          </a:p>
+          <a:p>
+            <a:r>
+              <a:rPr lang="fr-FR" dirty="0" smtClean="0"/>
+              <a:t>Rendu de l’application via </a:t>
+            </a:r>
+            <a:r>
+              <a:rPr lang="fr-FR" dirty="0" err="1" smtClean="0"/>
+              <a:t>AppModule</a:t>
+            </a:r>
+            <a:endParaRPr lang="fr-FR" dirty="0"/>
+          </a:p>
+        </p:txBody>
+      </p:sp>
+      <p:pic>
+        <p:nvPicPr>
+          <p:cNvPr id="4" name="Image 3"/>
+          <p:cNvPicPr>
+            <a:picLocks noChangeAspect="1"/>
+          </p:cNvPicPr>
+          <p:nvPr/>
+        </p:nvPicPr>
+        <p:blipFill>
+          <a:blip r:embed="rId2"/>
+          <a:stretch>
+            <a:fillRect/>
+          </a:stretch>
+        </p:blipFill>
+        <p:spPr>
+          <a:xfrm>
+            <a:off x="179513" y="1413454"/>
+            <a:ext cx="4509158" cy="3887754"/>
+          </a:xfrm>
+          <a:prstGeom prst="rect">
+            <a:avLst/>
+          </a:prstGeom>
+        </p:spPr>
+      </p:pic>
+    </p:spTree>
+    <p:extLst>
+      <p:ext uri="{BB962C8B-B14F-4D97-AF65-F5344CB8AC3E}">
+        <p14:creationId xmlns:p14="http://schemas.microsoft.com/office/powerpoint/2010/main" val="239443888"/>
       </p:ext>
     </p:extLst>
   </p:cSld>
